--- a/MVC (1).pptx
+++ b/MVC (1).pptx
@@ -1341,7 +1341,7 @@
             <a:fld id="{9334D819-9F07-4261-B09B-9E467E5D9002}" type="datetimeFigureOut">
               <a:rPr lang="en-US" dirty="0"/>
               <a:pPr/>
-              <a:t>11/14/17</a:t>
+              <a:t>11/27/17</a:t>
             </a:fld>
             <a:endParaRPr lang="en-US" dirty="0"/>
           </a:p>
@@ -1575,7 +1575,7 @@
           <a:p>
             <a:fld id="{9334D819-9F07-4261-B09B-9E467E5D9002}" type="datetimeFigureOut">
               <a:rPr lang="en-US" dirty="0"/>
-              <a:t>11/14/17</a:t>
+              <a:t>11/27/17</a:t>
             </a:fld>
             <a:endParaRPr lang="en-US" dirty="0"/>
           </a:p>
@@ -1750,7 +1750,7 @@
           <a:p>
             <a:fld id="{9334D819-9F07-4261-B09B-9E467E5D9002}" type="datetimeFigureOut">
               <a:rPr lang="en-US" dirty="0"/>
-              <a:t>11/14/17</a:t>
+              <a:t>11/27/17</a:t>
             </a:fld>
             <a:endParaRPr lang="en-US" dirty="0"/>
           </a:p>
@@ -1915,7 +1915,7 @@
           <a:p>
             <a:fld id="{9334D819-9F07-4261-B09B-9E467E5D9002}" type="datetimeFigureOut">
               <a:rPr lang="en-US" dirty="0"/>
-              <a:t>11/14/17</a:t>
+              <a:t>11/27/17</a:t>
             </a:fld>
             <a:endParaRPr lang="en-US" dirty="0"/>
           </a:p>
@@ -2187,7 +2187,7 @@
             <a:fld id="{9334D819-9F07-4261-B09B-9E467E5D9002}" type="datetimeFigureOut">
               <a:rPr lang="en-US" dirty="0"/>
               <a:pPr/>
-              <a:t>11/14/17</a:t>
+              <a:t>11/27/17</a:t>
             </a:fld>
             <a:endParaRPr lang="en-US" dirty="0"/>
           </a:p>
@@ -3384,7 +3384,7 @@
           <a:p>
             <a:fld id="{9334D819-9F07-4261-B09B-9E467E5D9002}" type="datetimeFigureOut">
               <a:rPr lang="en-US" dirty="0"/>
-              <a:t>11/14/17</a:t>
+              <a:t>11/27/17</a:t>
             </a:fld>
             <a:endParaRPr lang="en-US" dirty="0"/>
           </a:p>
@@ -3769,7 +3769,7 @@
           <a:p>
             <a:fld id="{9334D819-9F07-4261-B09B-9E467E5D9002}" type="datetimeFigureOut">
               <a:rPr lang="en-US" dirty="0"/>
-              <a:t>11/14/17</a:t>
+              <a:t>11/27/17</a:t>
             </a:fld>
             <a:endParaRPr lang="en-US" dirty="0"/>
           </a:p>
@@ -3887,7 +3887,7 @@
           <a:p>
             <a:fld id="{9334D819-9F07-4261-B09B-9E467E5D9002}" type="datetimeFigureOut">
               <a:rPr lang="en-US" dirty="0"/>
-              <a:t>11/14/17</a:t>
+              <a:t>11/27/17</a:t>
             </a:fld>
             <a:endParaRPr lang="en-US" dirty="0"/>
           </a:p>
@@ -3977,7 +3977,7 @@
           <a:p>
             <a:fld id="{9334D819-9F07-4261-B09B-9E467E5D9002}" type="datetimeFigureOut">
               <a:rPr lang="en-US" dirty="0"/>
-              <a:t>11/14/17</a:t>
+              <a:t>11/27/17</a:t>
             </a:fld>
             <a:endParaRPr lang="en-US" dirty="0"/>
           </a:p>
@@ -4735,7 +4735,7 @@
           <a:p>
             <a:fld id="{9334D819-9F07-4261-B09B-9E467E5D9002}" type="datetimeFigureOut">
               <a:rPr lang="en-US" dirty="0"/>
-              <a:t>11/14/17</a:t>
+              <a:t>11/27/17</a:t>
             </a:fld>
             <a:endParaRPr lang="en-US" dirty="0"/>
           </a:p>
@@ -5570,7 +5570,7 @@
           <a:p>
             <a:fld id="{9334D819-9F07-4261-B09B-9E467E5D9002}" type="datetimeFigureOut">
               <a:rPr lang="en-US" dirty="0"/>
-              <a:t>11/14/17</a:t>
+              <a:t>11/27/17</a:t>
             </a:fld>
             <a:endParaRPr lang="en-US" dirty="0"/>
           </a:p>
@@ -5793,7 +5793,7 @@
             <a:fld id="{9334D819-9F07-4261-B09B-9E467E5D9002}" type="datetimeFigureOut">
               <a:rPr lang="en-US" dirty="0"/>
               <a:pPr/>
-              <a:t>11/14/17</a:t>
+              <a:t>11/27/17</a:t>
             </a:fld>
             <a:endParaRPr lang="en-US" dirty="0"/>
           </a:p>
@@ -6793,7 +6793,7 @@
           <p:cNvPr id="2" name="Title 1">
             <a:extLst>
               <a:ext uri="{FF2B5EF4-FFF2-40B4-BE49-F238E27FC236}">
-                <a16:creationId xmlns="" xmlns:a16="http://schemas.microsoft.com/office/drawing/2014/main" id="{C6199E7C-29B1-46E2-9136-E11F1AE90A09}"/>
+                <a16:creationId xmlns:a16="http://schemas.microsoft.com/office/drawing/2014/main" xmlns="" id="{C6199E7C-29B1-46E2-9136-E11F1AE90A09}"/>
               </a:ext>
             </a:extLst>
           </p:cNvPr>
@@ -6871,15 +6871,15 @@
           <a:p>
             <a:r>
               <a:rPr lang="en-US" dirty="0" smtClean="0"/>
-              <a:t>Sprint 3 </a:t>
+              <a:t>Sprint </a:t>
+            </a:r>
+            <a:r>
+              <a:rPr lang="en-US" dirty="0" smtClean="0"/>
+              <a:t>4 </a:t>
             </a:r>
             <a:r>
               <a:rPr lang="en-US" dirty="0" err="1" smtClean="0"/>
-              <a:t>ADD</a:t>
-            </a:r>
-            <a:r>
-              <a:rPr lang="en-US" dirty="0" err="1" smtClean="0"/>
-              <a:t>itions</a:t>
+              <a:t>ADDitions</a:t>
             </a:r>
             <a:endParaRPr lang="en-US" dirty="0"/>
           </a:p>
@@ -6904,27 +6904,35 @@
           <a:p>
             <a:r>
               <a:rPr lang="en-US" sz="2800" dirty="0" smtClean="0"/>
-              <a:t>New Credit Card or Check Format</a:t>
-            </a:r>
-          </a:p>
-          <a:p>
+              <a:t>Appropriate Fees for Credit Card/Check </a:t>
+            </a:r>
+            <a:r>
+              <a:rPr lang="en-US" sz="2800" dirty="0"/>
+              <a:t>T</a:t>
+            </a:r>
             <a:r>
               <a:rPr lang="en-US" sz="2800" dirty="0" smtClean="0"/>
-              <a:t>Password Protection</a:t>
-            </a:r>
+              <a:t>ransactions</a:t>
+            </a:r>
+            <a:endParaRPr lang="en-US" sz="2800" dirty="0" smtClean="0"/>
           </a:p>
           <a:p>
             <a:r>
               <a:rPr lang="en-US" sz="2800" dirty="0" smtClean="0"/>
-              <a:t>Dropdown Menu for View Account</a:t>
-            </a:r>
-          </a:p>
-          <a:p>
-            <a:pPr lvl="1"/>
+              <a:t>Auto-Populate Date</a:t>
+            </a:r>
+            <a:endParaRPr lang="en-US" sz="2800" dirty="0" smtClean="0"/>
+          </a:p>
+          <a:p>
             <a:r>
               <a:rPr lang="en-US" sz="2800" dirty="0" smtClean="0"/>
-              <a:t>To be implemented as well for the account choice on withdrawal and deposit</a:t>
-            </a:r>
+              <a:t>Dropdown Menu </a:t>
+            </a:r>
+            <a:r>
+              <a:rPr lang="en-US" sz="2800" dirty="0" smtClean="0"/>
+              <a:t>for Accounts, in Deposit/Withdrawal Fields</a:t>
+            </a:r>
+            <a:endParaRPr lang="en-US" sz="2800" dirty="0" smtClean="0"/>
           </a:p>
           <a:p>
             <a:pPr marL="457200" lvl="1" indent="0">
@@ -6953,37 +6961,27 @@
           <a:p>
             <a:r>
               <a:rPr lang="en-US" sz="2800" dirty="0" smtClean="0"/>
-              <a:t>Logo Creation &amp; Implementation</a:t>
-            </a:r>
+              <a:t>Unable to Delete Main Account</a:t>
+            </a:r>
+            <a:endParaRPr lang="en-US" sz="2800" dirty="0" smtClean="0"/>
           </a:p>
           <a:p>
             <a:r>
               <a:rPr lang="en-US" sz="2800" dirty="0" smtClean="0"/>
-              <a:t>Expense Codes for Deposits</a:t>
-            </a:r>
-          </a:p>
-          <a:p>
-            <a:pPr lvl="1"/>
+              <a:t>Unable to Create Duplicate Accounts</a:t>
+            </a:r>
+            <a:endParaRPr lang="en-US" sz="2800" dirty="0" smtClean="0"/>
+          </a:p>
+          <a:p>
             <a:r>
               <a:rPr lang="en-US" sz="2800" dirty="0" smtClean="0"/>
-              <a:t>Dropdown menu as well</a:t>
-            </a:r>
-          </a:p>
-          <a:p>
-            <a:r>
-              <a:rPr lang="en-US" sz="2800" dirty="0"/>
-              <a:t>Main Account Implementation</a:t>
-            </a:r>
-          </a:p>
-          <a:p>
-            <a:pPr lvl="1"/>
-            <a:r>
-              <a:rPr lang="en-US" sz="2800" dirty="0"/>
-              <a:t>Everything subtracted and added from and </a:t>
-            </a:r>
+              <a:t>Aesthetic Changes</a:t>
+            </a:r>
+          </a:p>
+          <a:p>
             <a:r>
               <a:rPr lang="en-US" sz="2800" dirty="0" smtClean="0"/>
-              <a:t>to</a:t>
+              <a:t>Compacted Into a Single .jar File</a:t>
             </a:r>
             <a:endParaRPr lang="en-US" sz="2800" dirty="0"/>
           </a:p>
@@ -7037,7 +7035,7 @@
           <p:cNvPr id="2" name="Title 1">
             <a:extLst>
               <a:ext uri="{FF2B5EF4-FFF2-40B4-BE49-F238E27FC236}">
-                <a16:creationId xmlns="" xmlns:a16="http://schemas.microsoft.com/office/drawing/2014/main" id="{C6199E7C-29B1-46E2-9136-E11F1AE90A09}"/>
+                <a16:creationId xmlns:a16="http://schemas.microsoft.com/office/drawing/2014/main" xmlns="" id="{C6199E7C-29B1-46E2-9136-E11F1AE90A09}"/>
               </a:ext>
             </a:extLst>
           </p:cNvPr>
@@ -7065,7 +7063,7 @@
           <p:cNvPr id="3" name="Subtitle 2">
             <a:extLst>
               <a:ext uri="{FF2B5EF4-FFF2-40B4-BE49-F238E27FC236}">
-                <a16:creationId xmlns="" xmlns:a16="http://schemas.microsoft.com/office/drawing/2014/main" id="{CFC1C688-3386-4BA0-94F2-AB0AA5D503E4}"/>
+                <a16:creationId xmlns:a16="http://schemas.microsoft.com/office/drawing/2014/main" xmlns="" id="{CFC1C688-3386-4BA0-94F2-AB0AA5D503E4}"/>
               </a:ext>
             </a:extLst>
           </p:cNvPr>
@@ -7135,7 +7133,7 @@
           <p:cNvPr id="13" name="Arrow: Curved Right 12">
             <a:extLst>
               <a:ext uri="{FF2B5EF4-FFF2-40B4-BE49-F238E27FC236}">
-                <a16:creationId xmlns="" xmlns:a16="http://schemas.microsoft.com/office/drawing/2014/main" id="{9E8D8E94-1074-48E8-B571-F04AF75DF7FC}"/>
+                <a16:creationId xmlns:a16="http://schemas.microsoft.com/office/drawing/2014/main" xmlns="" id="{9E8D8E94-1074-48E8-B571-F04AF75DF7FC}"/>
               </a:ext>
             </a:extLst>
           </p:cNvPr>
@@ -7185,7 +7183,7 @@
           <p:cNvPr id="12" name="Arrow: Curved Left 11">
             <a:extLst>
               <a:ext uri="{FF2B5EF4-FFF2-40B4-BE49-F238E27FC236}">
-                <a16:creationId xmlns="" xmlns:a16="http://schemas.microsoft.com/office/drawing/2014/main" id="{CCEA8BB3-EFD5-4EDC-A58E-6F27AC9F44DC}"/>
+                <a16:creationId xmlns:a16="http://schemas.microsoft.com/office/drawing/2014/main" xmlns="" id="{CCEA8BB3-EFD5-4EDC-A58E-6F27AC9F44DC}"/>
               </a:ext>
             </a:extLst>
           </p:cNvPr>
@@ -7235,7 +7233,7 @@
           <p:cNvPr id="4" name="Rectangle: Rounded Corners 3">
             <a:extLst>
               <a:ext uri="{FF2B5EF4-FFF2-40B4-BE49-F238E27FC236}">
-                <a16:creationId xmlns="" xmlns:a16="http://schemas.microsoft.com/office/drawing/2014/main" id="{D34EBDAA-6E44-4CB0-9188-F0204E9EF15E}"/>
+                <a16:creationId xmlns:a16="http://schemas.microsoft.com/office/drawing/2014/main" xmlns="" id="{D34EBDAA-6E44-4CB0-9188-F0204E9EF15E}"/>
               </a:ext>
             </a:extLst>
           </p:cNvPr>
@@ -7302,7 +7300,7 @@
           <p:cNvPr id="5" name="Rectangle: Rounded Corners 4">
             <a:extLst>
               <a:ext uri="{FF2B5EF4-FFF2-40B4-BE49-F238E27FC236}">
-                <a16:creationId xmlns="" xmlns:a16="http://schemas.microsoft.com/office/drawing/2014/main" id="{5A069AE0-5359-47AE-9301-53690ECEBFDD}"/>
+                <a16:creationId xmlns:a16="http://schemas.microsoft.com/office/drawing/2014/main" xmlns="" id="{5A069AE0-5359-47AE-9301-53690ECEBFDD}"/>
               </a:ext>
             </a:extLst>
           </p:cNvPr>
@@ -7365,7 +7363,7 @@
           <p:cNvPr id="6" name="Rectangle: Rounded Corners 5">
             <a:extLst>
               <a:ext uri="{FF2B5EF4-FFF2-40B4-BE49-F238E27FC236}">
-                <a16:creationId xmlns="" xmlns:a16="http://schemas.microsoft.com/office/drawing/2014/main" id="{3A5E7BD6-B02F-4A84-A853-EFDA52B4C52F}"/>
+                <a16:creationId xmlns:a16="http://schemas.microsoft.com/office/drawing/2014/main" xmlns="" id="{3A5E7BD6-B02F-4A84-A853-EFDA52B4C52F}"/>
               </a:ext>
             </a:extLst>
           </p:cNvPr>
@@ -7428,7 +7426,7 @@
           <p:cNvPr id="9" name="Arrow: Up 8">
             <a:extLst>
               <a:ext uri="{FF2B5EF4-FFF2-40B4-BE49-F238E27FC236}">
-                <a16:creationId xmlns="" xmlns:a16="http://schemas.microsoft.com/office/drawing/2014/main" id="{2945D2A4-4237-4A37-A8C3-518DDF249A1C}"/>
+                <a16:creationId xmlns:a16="http://schemas.microsoft.com/office/drawing/2014/main" xmlns="" id="{2945D2A4-4237-4A37-A8C3-518DDF249A1C}"/>
               </a:ext>
             </a:extLst>
           </p:cNvPr>
@@ -7474,7 +7472,7 @@
           <p:cNvPr id="10" name="Arrow: Up 9">
             <a:extLst>
               <a:ext uri="{FF2B5EF4-FFF2-40B4-BE49-F238E27FC236}">
-                <a16:creationId xmlns="" xmlns:a16="http://schemas.microsoft.com/office/drawing/2014/main" id="{1CB8B7DB-8E8D-4B07-A9D4-D52BE6BC7360}"/>
+                <a16:creationId xmlns:a16="http://schemas.microsoft.com/office/drawing/2014/main" xmlns="" id="{1CB8B7DB-8E8D-4B07-A9D4-D52BE6BC7360}"/>
               </a:ext>
             </a:extLst>
           </p:cNvPr>
@@ -7520,7 +7518,7 @@
           <p:cNvPr id="14" name="TextBox 13">
             <a:extLst>
               <a:ext uri="{FF2B5EF4-FFF2-40B4-BE49-F238E27FC236}">
-                <a16:creationId xmlns="" xmlns:a16="http://schemas.microsoft.com/office/drawing/2014/main" id="{FAB8EF5F-1EDE-4EF7-92D0-70D11B73813A}"/>
+                <a16:creationId xmlns:a16="http://schemas.microsoft.com/office/drawing/2014/main" xmlns="" id="{FAB8EF5F-1EDE-4EF7-92D0-70D11B73813A}"/>
               </a:ext>
             </a:extLst>
           </p:cNvPr>
@@ -7590,7 +7588,7 @@
           <p:cNvPr id="2" name="Title 1">
             <a:extLst>
               <a:ext uri="{FF2B5EF4-FFF2-40B4-BE49-F238E27FC236}">
-                <a16:creationId xmlns="" xmlns:a16="http://schemas.microsoft.com/office/drawing/2014/main" id="{5ABBF08F-2582-4E09-8D8C-7775E33B85AD}"/>
+                <a16:creationId xmlns:a16="http://schemas.microsoft.com/office/drawing/2014/main" xmlns="" id="{5ABBF08F-2582-4E09-8D8C-7775E33B85AD}"/>
               </a:ext>
             </a:extLst>
           </p:cNvPr>
@@ -7626,7 +7624,7 @@
           <p:cNvPr id="4" name="Text Placeholder 3">
             <a:extLst>
               <a:ext uri="{FF2B5EF4-FFF2-40B4-BE49-F238E27FC236}">
-                <a16:creationId xmlns="" xmlns:a16="http://schemas.microsoft.com/office/drawing/2014/main" id="{9AEA9920-571F-42E4-A389-F16775334A8C}"/>
+                <a16:creationId xmlns:a16="http://schemas.microsoft.com/office/drawing/2014/main" xmlns="" id="{9AEA9920-571F-42E4-A389-F16775334A8C}"/>
               </a:ext>
             </a:extLst>
           </p:cNvPr>
@@ -7834,7 +7832,7 @@
           <p:cNvPr id="2" name="Title 1">
             <a:extLst>
               <a:ext uri="{FF2B5EF4-FFF2-40B4-BE49-F238E27FC236}">
-                <a16:creationId xmlns="" xmlns:a16="http://schemas.microsoft.com/office/drawing/2014/main" id="{CAE6CE5C-0172-40BB-8ED4-66C6F6FE3A68}"/>
+                <a16:creationId xmlns:a16="http://schemas.microsoft.com/office/drawing/2014/main" xmlns="" id="{CAE6CE5C-0172-40BB-8ED4-66C6F6FE3A68}"/>
               </a:ext>
             </a:extLst>
           </p:cNvPr>
@@ -7865,7 +7863,7 @@
           <p:cNvPr id="6" name="Content Placeholder 5">
             <a:extLst>
               <a:ext uri="{FF2B5EF4-FFF2-40B4-BE49-F238E27FC236}">
-                <a16:creationId xmlns="" xmlns:a16="http://schemas.microsoft.com/office/drawing/2014/main" id="{0F89C3FC-69C7-44EB-B52F-97AFC9F0C0A6}"/>
+                <a16:creationId xmlns:a16="http://schemas.microsoft.com/office/drawing/2014/main" xmlns="" id="{0F89C3FC-69C7-44EB-B52F-97AFC9F0C0A6}"/>
               </a:ext>
             </a:extLst>
           </p:cNvPr>
@@ -7894,7 +7892,7 @@
           <p:cNvPr id="4" name="Text Placeholder 3">
             <a:extLst>
               <a:ext uri="{FF2B5EF4-FFF2-40B4-BE49-F238E27FC236}">
-                <a16:creationId xmlns="" xmlns:a16="http://schemas.microsoft.com/office/drawing/2014/main" id="{82EECC6E-BA75-4321-B49B-7DBAD34631F8}"/>
+                <a16:creationId xmlns:a16="http://schemas.microsoft.com/office/drawing/2014/main" xmlns="" id="{82EECC6E-BA75-4321-B49B-7DBAD34631F8}"/>
               </a:ext>
             </a:extLst>
           </p:cNvPr>
@@ -8019,7 +8017,7 @@
           <p:cNvPr id="7" name="TextBox 6">
             <a:extLst>
               <a:ext uri="{FF2B5EF4-FFF2-40B4-BE49-F238E27FC236}">
-                <a16:creationId xmlns="" xmlns:a16="http://schemas.microsoft.com/office/drawing/2014/main" id="{7A859ED5-2F86-4057-89E9-91F29A11A11D}"/>
+                <a16:creationId xmlns:a16="http://schemas.microsoft.com/office/drawing/2014/main" xmlns="" id="{7A859ED5-2F86-4057-89E9-91F29A11A11D}"/>
               </a:ext>
             </a:extLst>
           </p:cNvPr>
@@ -8084,7 +8082,7 @@
           <p:cNvPr id="2" name="Title 1">
             <a:extLst>
               <a:ext uri="{FF2B5EF4-FFF2-40B4-BE49-F238E27FC236}">
-                <a16:creationId xmlns="" xmlns:a16="http://schemas.microsoft.com/office/drawing/2014/main" id="{4DF97F2A-1C61-45E1-8FFA-D92E98296125}"/>
+                <a16:creationId xmlns:a16="http://schemas.microsoft.com/office/drawing/2014/main" xmlns="" id="{4DF97F2A-1C61-45E1-8FFA-D92E98296125}"/>
               </a:ext>
             </a:extLst>
           </p:cNvPr>
@@ -8120,7 +8118,7 @@
           <p:cNvPr id="6" name="Content Placeholder 5">
             <a:extLst>
               <a:ext uri="{FF2B5EF4-FFF2-40B4-BE49-F238E27FC236}">
-                <a16:creationId xmlns="" xmlns:a16="http://schemas.microsoft.com/office/drawing/2014/main" id="{03C4A6CB-7634-4530-9EBB-6ACE5D8A3AA0}"/>
+                <a16:creationId xmlns:a16="http://schemas.microsoft.com/office/drawing/2014/main" xmlns="" id="{03C4A6CB-7634-4530-9EBB-6ACE5D8A3AA0}"/>
               </a:ext>
             </a:extLst>
           </p:cNvPr>
@@ -8149,7 +8147,7 @@
           <p:cNvPr id="4" name="Text Placeholder 3">
             <a:extLst>
               <a:ext uri="{FF2B5EF4-FFF2-40B4-BE49-F238E27FC236}">
-                <a16:creationId xmlns="" xmlns:a16="http://schemas.microsoft.com/office/drawing/2014/main" id="{82CC2D71-93DE-4F5B-8654-108BE506A3A8}"/>
+                <a16:creationId xmlns:a16="http://schemas.microsoft.com/office/drawing/2014/main" xmlns="" id="{82CC2D71-93DE-4F5B-8654-108BE506A3A8}"/>
               </a:ext>
             </a:extLst>
           </p:cNvPr>
@@ -8249,7 +8247,7 @@
           <p:cNvPr id="11" name="TextBox 10">
             <a:extLst>
               <a:ext uri="{FF2B5EF4-FFF2-40B4-BE49-F238E27FC236}">
-                <a16:creationId xmlns="" xmlns:a16="http://schemas.microsoft.com/office/drawing/2014/main" id="{D05D7B08-C0DA-42C0-BAD3-9CB50D11CB19}"/>
+                <a16:creationId xmlns:a16="http://schemas.microsoft.com/office/drawing/2014/main" xmlns="" id="{D05D7B08-C0DA-42C0-BAD3-9CB50D11CB19}"/>
               </a:ext>
             </a:extLst>
           </p:cNvPr>
@@ -8284,7 +8282,7 @@
           <p:cNvPr id="13" name="Content Placeholder 5">
             <a:extLst>
               <a:ext uri="{FF2B5EF4-FFF2-40B4-BE49-F238E27FC236}">
-                <a16:creationId xmlns="" xmlns:a16="http://schemas.microsoft.com/office/drawing/2014/main" id="{8D5A2897-EA1C-4623-8782-C779B6686583}"/>
+                <a16:creationId xmlns:a16="http://schemas.microsoft.com/office/drawing/2014/main" xmlns="" id="{8D5A2897-EA1C-4623-8782-C779B6686583}"/>
               </a:ext>
             </a:extLst>
           </p:cNvPr>

--- a/MVC (1).pptx
+++ b/MVC (1).pptx
@@ -6793,7 +6793,7 @@
           <p:cNvPr id="2" name="Title 1">
             <a:extLst>
               <a:ext uri="{FF2B5EF4-FFF2-40B4-BE49-F238E27FC236}">
-                <a16:creationId xmlns:a16="http://schemas.microsoft.com/office/drawing/2014/main" xmlns="" id="{C6199E7C-29B1-46E2-9136-E11F1AE90A09}"/>
+                <a16:creationId xmlns="" xmlns:a16="http://schemas.microsoft.com/office/drawing/2014/main" id="{C6199E7C-29B1-46E2-9136-E11F1AE90A09}"/>
               </a:ext>
             </a:extLst>
           </p:cNvPr>
@@ -6871,11 +6871,7 @@
           <a:p>
             <a:r>
               <a:rPr lang="en-US" dirty="0" smtClean="0"/>
-              <a:t>Sprint </a:t>
-            </a:r>
-            <a:r>
-              <a:rPr lang="en-US" dirty="0" smtClean="0"/>
-              <a:t>4 </a:t>
+              <a:t>Sprint 4 </a:t>
             </a:r>
             <a:r>
               <a:rPr lang="en-US" dirty="0" err="1" smtClean="0"/>
@@ -6914,25 +6910,18 @@
               <a:rPr lang="en-US" sz="2800" dirty="0" smtClean="0"/>
               <a:t>ransactions</a:t>
             </a:r>
-            <a:endParaRPr lang="en-US" sz="2800" dirty="0" smtClean="0"/>
           </a:p>
           <a:p>
             <a:r>
               <a:rPr lang="en-US" sz="2800" dirty="0" smtClean="0"/>
               <a:t>Auto-Populate Date</a:t>
             </a:r>
-            <a:endParaRPr lang="en-US" sz="2800" dirty="0" smtClean="0"/>
           </a:p>
           <a:p>
             <a:r>
               <a:rPr lang="en-US" sz="2800" dirty="0" smtClean="0"/>
-              <a:t>Dropdown Menu </a:t>
-            </a:r>
-            <a:r>
-              <a:rPr lang="en-US" sz="2800" dirty="0" smtClean="0"/>
-              <a:t>for Accounts, in Deposit/Withdrawal Fields</a:t>
-            </a:r>
-            <a:endParaRPr lang="en-US" sz="2800" dirty="0" smtClean="0"/>
+              <a:t>Dropdown Menu for Accounts, in Deposit/Withdrawal Fields</a:t>
+            </a:r>
           </a:p>
           <a:p>
             <a:pPr marL="457200" lvl="1" indent="0">
@@ -6955,7 +6944,7 @@
         <p:spPr/>
         <p:txBody>
           <a:bodyPr>
-            <a:normAutofit lnSpcReduction="10000"/>
+            <a:normAutofit fontScale="92500"/>
           </a:bodyPr>
           <a:lstStyle/>
           <a:p>
@@ -6963,12 +6952,21 @@
               <a:rPr lang="en-US" sz="2800" dirty="0" smtClean="0"/>
               <a:t>Unable to Delete Main Account</a:t>
             </a:r>
-            <a:endParaRPr lang="en-US" sz="2800" dirty="0" smtClean="0"/>
           </a:p>
           <a:p>
             <a:r>
               <a:rPr lang="en-US" sz="2800" dirty="0" smtClean="0"/>
-              <a:t>Unable to Create Duplicate Accounts</a:t>
+              <a:t>Unable to Create Duplicate </a:t>
+            </a:r>
+            <a:r>
+              <a:rPr lang="en-US" sz="2800" dirty="0" smtClean="0"/>
+              <a:t>Accounts</a:t>
+            </a:r>
+          </a:p>
+          <a:p>
+            <a:r>
+              <a:rPr lang="en-US" sz="2800" dirty="0" smtClean="0"/>
+              <a:t>Transaction History Table</a:t>
             </a:r>
             <a:endParaRPr lang="en-US" sz="2800" dirty="0" smtClean="0"/>
           </a:p>
@@ -7035,7 +7033,7 @@
           <p:cNvPr id="2" name="Title 1">
             <a:extLst>
               <a:ext uri="{FF2B5EF4-FFF2-40B4-BE49-F238E27FC236}">
-                <a16:creationId xmlns:a16="http://schemas.microsoft.com/office/drawing/2014/main" xmlns="" id="{C6199E7C-29B1-46E2-9136-E11F1AE90A09}"/>
+                <a16:creationId xmlns="" xmlns:a16="http://schemas.microsoft.com/office/drawing/2014/main" id="{C6199E7C-29B1-46E2-9136-E11F1AE90A09}"/>
               </a:ext>
             </a:extLst>
           </p:cNvPr>
@@ -7063,7 +7061,7 @@
           <p:cNvPr id="3" name="Subtitle 2">
             <a:extLst>
               <a:ext uri="{FF2B5EF4-FFF2-40B4-BE49-F238E27FC236}">
-                <a16:creationId xmlns:a16="http://schemas.microsoft.com/office/drawing/2014/main" xmlns="" id="{CFC1C688-3386-4BA0-94F2-AB0AA5D503E4}"/>
+                <a16:creationId xmlns="" xmlns:a16="http://schemas.microsoft.com/office/drawing/2014/main" id="{CFC1C688-3386-4BA0-94F2-AB0AA5D503E4}"/>
               </a:ext>
             </a:extLst>
           </p:cNvPr>
@@ -7133,7 +7131,7 @@
           <p:cNvPr id="13" name="Arrow: Curved Right 12">
             <a:extLst>
               <a:ext uri="{FF2B5EF4-FFF2-40B4-BE49-F238E27FC236}">
-                <a16:creationId xmlns:a16="http://schemas.microsoft.com/office/drawing/2014/main" xmlns="" id="{9E8D8E94-1074-48E8-B571-F04AF75DF7FC}"/>
+                <a16:creationId xmlns="" xmlns:a16="http://schemas.microsoft.com/office/drawing/2014/main" id="{9E8D8E94-1074-48E8-B571-F04AF75DF7FC}"/>
               </a:ext>
             </a:extLst>
           </p:cNvPr>
@@ -7183,7 +7181,7 @@
           <p:cNvPr id="12" name="Arrow: Curved Left 11">
             <a:extLst>
               <a:ext uri="{FF2B5EF4-FFF2-40B4-BE49-F238E27FC236}">
-                <a16:creationId xmlns:a16="http://schemas.microsoft.com/office/drawing/2014/main" xmlns="" id="{CCEA8BB3-EFD5-4EDC-A58E-6F27AC9F44DC}"/>
+                <a16:creationId xmlns="" xmlns:a16="http://schemas.microsoft.com/office/drawing/2014/main" id="{CCEA8BB3-EFD5-4EDC-A58E-6F27AC9F44DC}"/>
               </a:ext>
             </a:extLst>
           </p:cNvPr>
@@ -7233,7 +7231,7 @@
           <p:cNvPr id="4" name="Rectangle: Rounded Corners 3">
             <a:extLst>
               <a:ext uri="{FF2B5EF4-FFF2-40B4-BE49-F238E27FC236}">
-                <a16:creationId xmlns:a16="http://schemas.microsoft.com/office/drawing/2014/main" xmlns="" id="{D34EBDAA-6E44-4CB0-9188-F0204E9EF15E}"/>
+                <a16:creationId xmlns="" xmlns:a16="http://schemas.microsoft.com/office/drawing/2014/main" id="{D34EBDAA-6E44-4CB0-9188-F0204E9EF15E}"/>
               </a:ext>
             </a:extLst>
           </p:cNvPr>
@@ -7300,7 +7298,7 @@
           <p:cNvPr id="5" name="Rectangle: Rounded Corners 4">
             <a:extLst>
               <a:ext uri="{FF2B5EF4-FFF2-40B4-BE49-F238E27FC236}">
-                <a16:creationId xmlns:a16="http://schemas.microsoft.com/office/drawing/2014/main" xmlns="" id="{5A069AE0-5359-47AE-9301-53690ECEBFDD}"/>
+                <a16:creationId xmlns="" xmlns:a16="http://schemas.microsoft.com/office/drawing/2014/main" id="{5A069AE0-5359-47AE-9301-53690ECEBFDD}"/>
               </a:ext>
             </a:extLst>
           </p:cNvPr>
@@ -7363,7 +7361,7 @@
           <p:cNvPr id="6" name="Rectangle: Rounded Corners 5">
             <a:extLst>
               <a:ext uri="{FF2B5EF4-FFF2-40B4-BE49-F238E27FC236}">
-                <a16:creationId xmlns:a16="http://schemas.microsoft.com/office/drawing/2014/main" xmlns="" id="{3A5E7BD6-B02F-4A84-A853-EFDA52B4C52F}"/>
+                <a16:creationId xmlns="" xmlns:a16="http://schemas.microsoft.com/office/drawing/2014/main" id="{3A5E7BD6-B02F-4A84-A853-EFDA52B4C52F}"/>
               </a:ext>
             </a:extLst>
           </p:cNvPr>
@@ -7426,7 +7424,7 @@
           <p:cNvPr id="9" name="Arrow: Up 8">
             <a:extLst>
               <a:ext uri="{FF2B5EF4-FFF2-40B4-BE49-F238E27FC236}">
-                <a16:creationId xmlns:a16="http://schemas.microsoft.com/office/drawing/2014/main" xmlns="" id="{2945D2A4-4237-4A37-A8C3-518DDF249A1C}"/>
+                <a16:creationId xmlns="" xmlns:a16="http://schemas.microsoft.com/office/drawing/2014/main" id="{2945D2A4-4237-4A37-A8C3-518DDF249A1C}"/>
               </a:ext>
             </a:extLst>
           </p:cNvPr>
@@ -7472,7 +7470,7 @@
           <p:cNvPr id="10" name="Arrow: Up 9">
             <a:extLst>
               <a:ext uri="{FF2B5EF4-FFF2-40B4-BE49-F238E27FC236}">
-                <a16:creationId xmlns:a16="http://schemas.microsoft.com/office/drawing/2014/main" xmlns="" id="{1CB8B7DB-8E8D-4B07-A9D4-D52BE6BC7360}"/>
+                <a16:creationId xmlns="" xmlns:a16="http://schemas.microsoft.com/office/drawing/2014/main" id="{1CB8B7DB-8E8D-4B07-A9D4-D52BE6BC7360}"/>
               </a:ext>
             </a:extLst>
           </p:cNvPr>
@@ -7518,7 +7516,7 @@
           <p:cNvPr id="14" name="TextBox 13">
             <a:extLst>
               <a:ext uri="{FF2B5EF4-FFF2-40B4-BE49-F238E27FC236}">
-                <a16:creationId xmlns:a16="http://schemas.microsoft.com/office/drawing/2014/main" xmlns="" id="{FAB8EF5F-1EDE-4EF7-92D0-70D11B73813A}"/>
+                <a16:creationId xmlns="" xmlns:a16="http://schemas.microsoft.com/office/drawing/2014/main" id="{FAB8EF5F-1EDE-4EF7-92D0-70D11B73813A}"/>
               </a:ext>
             </a:extLst>
           </p:cNvPr>
@@ -7588,7 +7586,7 @@
           <p:cNvPr id="2" name="Title 1">
             <a:extLst>
               <a:ext uri="{FF2B5EF4-FFF2-40B4-BE49-F238E27FC236}">
-                <a16:creationId xmlns:a16="http://schemas.microsoft.com/office/drawing/2014/main" xmlns="" id="{5ABBF08F-2582-4E09-8D8C-7775E33B85AD}"/>
+                <a16:creationId xmlns="" xmlns:a16="http://schemas.microsoft.com/office/drawing/2014/main" id="{5ABBF08F-2582-4E09-8D8C-7775E33B85AD}"/>
               </a:ext>
             </a:extLst>
           </p:cNvPr>
@@ -7624,7 +7622,7 @@
           <p:cNvPr id="4" name="Text Placeholder 3">
             <a:extLst>
               <a:ext uri="{FF2B5EF4-FFF2-40B4-BE49-F238E27FC236}">
-                <a16:creationId xmlns:a16="http://schemas.microsoft.com/office/drawing/2014/main" xmlns="" id="{9AEA9920-571F-42E4-A389-F16775334A8C}"/>
+                <a16:creationId xmlns="" xmlns:a16="http://schemas.microsoft.com/office/drawing/2014/main" id="{9AEA9920-571F-42E4-A389-F16775334A8C}"/>
               </a:ext>
             </a:extLst>
           </p:cNvPr>
@@ -7832,7 +7830,7 @@
           <p:cNvPr id="2" name="Title 1">
             <a:extLst>
               <a:ext uri="{FF2B5EF4-FFF2-40B4-BE49-F238E27FC236}">
-                <a16:creationId xmlns:a16="http://schemas.microsoft.com/office/drawing/2014/main" xmlns="" id="{CAE6CE5C-0172-40BB-8ED4-66C6F6FE3A68}"/>
+                <a16:creationId xmlns="" xmlns:a16="http://schemas.microsoft.com/office/drawing/2014/main" id="{CAE6CE5C-0172-40BB-8ED4-66C6F6FE3A68}"/>
               </a:ext>
             </a:extLst>
           </p:cNvPr>
@@ -7863,7 +7861,7 @@
           <p:cNvPr id="6" name="Content Placeholder 5">
             <a:extLst>
               <a:ext uri="{FF2B5EF4-FFF2-40B4-BE49-F238E27FC236}">
-                <a16:creationId xmlns:a16="http://schemas.microsoft.com/office/drawing/2014/main" xmlns="" id="{0F89C3FC-69C7-44EB-B52F-97AFC9F0C0A6}"/>
+                <a16:creationId xmlns="" xmlns:a16="http://schemas.microsoft.com/office/drawing/2014/main" id="{0F89C3FC-69C7-44EB-B52F-97AFC9F0C0A6}"/>
               </a:ext>
             </a:extLst>
           </p:cNvPr>
@@ -7892,7 +7890,7 @@
           <p:cNvPr id="4" name="Text Placeholder 3">
             <a:extLst>
               <a:ext uri="{FF2B5EF4-FFF2-40B4-BE49-F238E27FC236}">
-                <a16:creationId xmlns:a16="http://schemas.microsoft.com/office/drawing/2014/main" xmlns="" id="{82EECC6E-BA75-4321-B49B-7DBAD34631F8}"/>
+                <a16:creationId xmlns="" xmlns:a16="http://schemas.microsoft.com/office/drawing/2014/main" id="{82EECC6E-BA75-4321-B49B-7DBAD34631F8}"/>
               </a:ext>
             </a:extLst>
           </p:cNvPr>
@@ -8017,7 +8015,7 @@
           <p:cNvPr id="7" name="TextBox 6">
             <a:extLst>
               <a:ext uri="{FF2B5EF4-FFF2-40B4-BE49-F238E27FC236}">
-                <a16:creationId xmlns:a16="http://schemas.microsoft.com/office/drawing/2014/main" xmlns="" id="{7A859ED5-2F86-4057-89E9-91F29A11A11D}"/>
+                <a16:creationId xmlns="" xmlns:a16="http://schemas.microsoft.com/office/drawing/2014/main" id="{7A859ED5-2F86-4057-89E9-91F29A11A11D}"/>
               </a:ext>
             </a:extLst>
           </p:cNvPr>
@@ -8082,7 +8080,7 @@
           <p:cNvPr id="2" name="Title 1">
             <a:extLst>
               <a:ext uri="{FF2B5EF4-FFF2-40B4-BE49-F238E27FC236}">
-                <a16:creationId xmlns:a16="http://schemas.microsoft.com/office/drawing/2014/main" xmlns="" id="{4DF97F2A-1C61-45E1-8FFA-D92E98296125}"/>
+                <a16:creationId xmlns="" xmlns:a16="http://schemas.microsoft.com/office/drawing/2014/main" id="{4DF97F2A-1C61-45E1-8FFA-D92E98296125}"/>
               </a:ext>
             </a:extLst>
           </p:cNvPr>
@@ -8118,7 +8116,7 @@
           <p:cNvPr id="6" name="Content Placeholder 5">
             <a:extLst>
               <a:ext uri="{FF2B5EF4-FFF2-40B4-BE49-F238E27FC236}">
-                <a16:creationId xmlns:a16="http://schemas.microsoft.com/office/drawing/2014/main" xmlns="" id="{03C4A6CB-7634-4530-9EBB-6ACE5D8A3AA0}"/>
+                <a16:creationId xmlns="" xmlns:a16="http://schemas.microsoft.com/office/drawing/2014/main" id="{03C4A6CB-7634-4530-9EBB-6ACE5D8A3AA0}"/>
               </a:ext>
             </a:extLst>
           </p:cNvPr>
@@ -8147,7 +8145,7 @@
           <p:cNvPr id="4" name="Text Placeholder 3">
             <a:extLst>
               <a:ext uri="{FF2B5EF4-FFF2-40B4-BE49-F238E27FC236}">
-                <a16:creationId xmlns:a16="http://schemas.microsoft.com/office/drawing/2014/main" xmlns="" id="{82CC2D71-93DE-4F5B-8654-108BE506A3A8}"/>
+                <a16:creationId xmlns="" xmlns:a16="http://schemas.microsoft.com/office/drawing/2014/main" id="{82CC2D71-93DE-4F5B-8654-108BE506A3A8}"/>
               </a:ext>
             </a:extLst>
           </p:cNvPr>
@@ -8247,7 +8245,7 @@
           <p:cNvPr id="11" name="TextBox 10">
             <a:extLst>
               <a:ext uri="{FF2B5EF4-FFF2-40B4-BE49-F238E27FC236}">
-                <a16:creationId xmlns:a16="http://schemas.microsoft.com/office/drawing/2014/main" xmlns="" id="{D05D7B08-C0DA-42C0-BAD3-9CB50D11CB19}"/>
+                <a16:creationId xmlns="" xmlns:a16="http://schemas.microsoft.com/office/drawing/2014/main" id="{D05D7B08-C0DA-42C0-BAD3-9CB50D11CB19}"/>
               </a:ext>
             </a:extLst>
           </p:cNvPr>
@@ -8282,7 +8280,7 @@
           <p:cNvPr id="13" name="Content Placeholder 5">
             <a:extLst>
               <a:ext uri="{FF2B5EF4-FFF2-40B4-BE49-F238E27FC236}">
-                <a16:creationId xmlns:a16="http://schemas.microsoft.com/office/drawing/2014/main" xmlns="" id="{8D5A2897-EA1C-4623-8782-C779B6686583}"/>
+                <a16:creationId xmlns="" xmlns:a16="http://schemas.microsoft.com/office/drawing/2014/main" id="{8D5A2897-EA1C-4623-8782-C779B6686583}"/>
               </a:ext>
             </a:extLst>
           </p:cNvPr>

--- a/MVC (1).pptx
+++ b/MVC (1).pptx
@@ -7904,12 +7904,12 @@
         <p:spPr>
           <a:xfrm>
             <a:off x="8337885" y="1741336"/>
-            <a:ext cx="3092115" cy="4407673"/>
+            <a:ext cx="3092115" cy="4953034"/>
           </a:xfrm>
         </p:spPr>
         <p:txBody>
           <a:bodyPr>
-            <a:normAutofit fontScale="77500" lnSpcReduction="20000"/>
+            <a:normAutofit fontScale="85000" lnSpcReduction="20000"/>
           </a:bodyPr>
           <a:lstStyle/>
           <a:p>
@@ -8004,8 +8004,22 @@
             <a:pPr algn="ctr"/>
             <a:r>
               <a:rPr lang="en-US" sz="1800" dirty="0" smtClean="0"/>
-              <a:t>Logo!</a:t>
-            </a:r>
+              <a:t>Logo</a:t>
+            </a:r>
+            <a:r>
+              <a:rPr lang="en-US" sz="1800" dirty="0" smtClean="0"/>
+              <a:t>!</a:t>
+            </a:r>
+          </a:p>
+          <a:p>
+            <a:pPr algn="ctr"/>
+            <a:r>
+              <a:rPr lang="en-US" sz="1800" dirty="0" smtClean="0"/>
+              <a:t>Executable .jar file</a:t>
+            </a:r>
+          </a:p>
+          <a:p>
+            <a:pPr algn="ctr"/>
             <a:endParaRPr lang="en-US" sz="1800" dirty="0"/>
           </a:p>
         </p:txBody>

--- a/MVC (1).pptx
+++ b/MVC (1).pptx
@@ -7,11 +7,12 @@
   <p:sldIdLst>
     <p:sldId id="262" r:id="rId2"/>
     <p:sldId id="261" r:id="rId3"/>
-    <p:sldId id="256" r:id="rId4"/>
-    <p:sldId id="260" r:id="rId5"/>
-    <p:sldId id="257" r:id="rId6"/>
-    <p:sldId id="259" r:id="rId7"/>
-    <p:sldId id="258" r:id="rId8"/>
+    <p:sldId id="263" r:id="rId4"/>
+    <p:sldId id="256" r:id="rId5"/>
+    <p:sldId id="260" r:id="rId6"/>
+    <p:sldId id="257" r:id="rId7"/>
+    <p:sldId id="259" r:id="rId8"/>
+    <p:sldId id="258" r:id="rId9"/>
   </p:sldIdLst>
   <p:sldSz cx="12192000" cy="6858000"/>
   <p:notesSz cx="6858000" cy="9144000"/>
@@ -6871,7 +6872,11 @@
           <a:p>
             <a:r>
               <a:rPr lang="en-US" dirty="0" smtClean="0"/>
-              <a:t>Sprint 4 </a:t>
+              <a:t>Sprint </a:t>
+            </a:r>
+            <a:r>
+              <a:rPr lang="en-US" dirty="0" smtClean="0"/>
+              <a:t>5 </a:t>
             </a:r>
             <a:r>
               <a:rPr lang="en-US" dirty="0" err="1" smtClean="0"/>
@@ -6900,34 +6905,26 @@
           <a:p>
             <a:r>
               <a:rPr lang="en-US" sz="2800" dirty="0" smtClean="0"/>
-              <a:t>Appropriate Fees for Credit Card/Check </a:t>
-            </a:r>
-            <a:r>
-              <a:rPr lang="en-US" sz="2800" dirty="0"/>
-              <a:t>T</a:t>
-            </a:r>
+              <a:t>Account Details Now Editable</a:t>
+            </a:r>
+          </a:p>
+          <a:p>
             <a:r>
               <a:rPr lang="en-US" sz="2800" dirty="0" smtClean="0"/>
-              <a:t>ransactions</a:t>
+              <a:t>View All Transactions</a:t>
             </a:r>
           </a:p>
           <a:p>
             <a:r>
               <a:rPr lang="en-US" sz="2800" dirty="0" smtClean="0"/>
-              <a:t>Auto-Populate Date</a:t>
+              <a:t>View Transactions for Single Account</a:t>
             </a:r>
           </a:p>
           <a:p>
             <a:r>
               <a:rPr lang="en-US" sz="2800" dirty="0" smtClean="0"/>
-              <a:t>Dropdown Menu for Accounts, in Deposit/Withdrawal Fields</a:t>
-            </a:r>
-          </a:p>
-          <a:p>
-            <a:pPr marL="457200" lvl="1" indent="0">
-              <a:buNone/>
-            </a:pPr>
-            <a:endParaRPr lang="en-US" sz="2800" dirty="0" smtClean="0"/>
+              <a:t>Delete Transactions</a:t>
+            </a:r>
           </a:p>
         </p:txBody>
       </p:sp>
@@ -6944,50 +6941,45 @@
         <p:spPr/>
         <p:txBody>
           <a:bodyPr>
-            <a:normAutofit fontScale="92500"/>
+            <a:normAutofit/>
           </a:bodyPr>
           <a:lstStyle/>
           <a:p>
             <a:r>
               <a:rPr lang="en-US" sz="2800" dirty="0" smtClean="0"/>
-              <a:t>Unable to Delete Main Account</a:t>
+              <a:t>Enter New Codes</a:t>
             </a:r>
           </a:p>
           <a:p>
             <a:r>
               <a:rPr lang="en-US" sz="2800" dirty="0" smtClean="0"/>
-              <a:t>Unable to Create Duplicate </a:t>
-            </a:r>
+              <a:t>Date is Editable</a:t>
+            </a:r>
+          </a:p>
+          <a:p>
             <a:r>
               <a:rPr lang="en-US" sz="2800" dirty="0" smtClean="0"/>
-              <a:t>Accounts</a:t>
+              <a:t>Mac/PC slight variations</a:t>
             </a:r>
           </a:p>
           <a:p>
             <a:r>
               <a:rPr lang="en-US" sz="2800" dirty="0" smtClean="0"/>
-              <a:t>Transaction History Table</a:t>
+              <a:t>Cosmetic Changes</a:t>
+            </a:r>
+          </a:p>
+          <a:p>
+            <a:r>
+              <a:rPr lang="en-US" sz="2800" dirty="0" smtClean="0"/>
+              <a:t>Benefits Calculator?</a:t>
+            </a:r>
+          </a:p>
+          <a:p>
+            <a:r>
+              <a:rPr lang="en-US" sz="2800" dirty="0" smtClean="0"/>
+              <a:t>User Guide?</a:t>
             </a:r>
             <a:endParaRPr lang="en-US" sz="2800" dirty="0" smtClean="0"/>
-          </a:p>
-          <a:p>
-            <a:r>
-              <a:rPr lang="en-US" sz="2800" dirty="0" smtClean="0"/>
-              <a:t>Aesthetic Changes</a:t>
-            </a:r>
-          </a:p>
-          <a:p>
-            <a:r>
-              <a:rPr lang="en-US" sz="2800" dirty="0" smtClean="0"/>
-              <a:t>Compacted Into a Single .jar File</a:t>
-            </a:r>
-            <a:endParaRPr lang="en-US" sz="2800" dirty="0"/>
-          </a:p>
-          <a:p>
-            <a:pPr marL="457200" lvl="1" indent="0">
-              <a:buNone/>
-            </a:pPr>
-            <a:endParaRPr lang="en-US" dirty="0"/>
           </a:p>
         </p:txBody>
       </p:sp>
@@ -7030,6 +7022,161 @@
       </p:grpSpPr>
       <p:sp>
         <p:nvSpPr>
+          <p:cNvPr id="2" name="Title 1"/>
+          <p:cNvSpPr>
+            <a:spLocks noGrp="1"/>
+          </p:cNvSpPr>
+          <p:nvPr>
+            <p:ph type="title"/>
+          </p:nvPr>
+        </p:nvSpPr>
+        <p:spPr/>
+        <p:txBody>
+          <a:bodyPr/>
+          <a:lstStyle/>
+          <a:p>
+            <a:r>
+              <a:rPr lang="en-US" dirty="0" smtClean="0"/>
+              <a:t>Comments</a:t>
+            </a:r>
+            <a:endParaRPr lang="en-US" dirty="0"/>
+          </a:p>
+        </p:txBody>
+      </p:sp>
+      <p:sp>
+        <p:nvSpPr>
+          <p:cNvPr id="3" name="Content Placeholder 2"/>
+          <p:cNvSpPr>
+            <a:spLocks noGrp="1"/>
+          </p:cNvSpPr>
+          <p:nvPr>
+            <p:ph sz="half" idx="1"/>
+          </p:nvPr>
+        </p:nvSpPr>
+        <p:spPr/>
+        <p:txBody>
+          <a:bodyPr>
+            <a:normAutofit/>
+          </a:bodyPr>
+          <a:lstStyle/>
+          <a:p>
+            <a:r>
+              <a:rPr lang="en-US" sz="2800" dirty="0" smtClean="0"/>
+              <a:t>Needs Work:</a:t>
+            </a:r>
+          </a:p>
+          <a:p>
+            <a:pPr lvl="1"/>
+            <a:r>
+              <a:rPr lang="en-US" sz="2600" dirty="0" smtClean="0"/>
+              <a:t>Back Button</a:t>
+            </a:r>
+          </a:p>
+          <a:p>
+            <a:pPr lvl="1"/>
+            <a:r>
+              <a:rPr lang="en-US" sz="2600" dirty="0" smtClean="0"/>
+              <a:t>Confusion with Phrasing</a:t>
+            </a:r>
+          </a:p>
+          <a:p>
+            <a:pPr lvl="1"/>
+            <a:r>
+              <a:rPr lang="en-US" sz="2600" dirty="0" smtClean="0"/>
+              <a:t>Rounded Decimals</a:t>
+            </a:r>
+          </a:p>
+          <a:p>
+            <a:pPr lvl="1"/>
+            <a:endParaRPr lang="en-US" sz="2600" dirty="0"/>
+          </a:p>
+        </p:txBody>
+      </p:sp>
+      <p:sp>
+        <p:nvSpPr>
+          <p:cNvPr id="4" name="Content Placeholder 3"/>
+          <p:cNvSpPr>
+            <a:spLocks noGrp="1"/>
+          </p:cNvSpPr>
+          <p:nvPr>
+            <p:ph sz="half" idx="2"/>
+          </p:nvPr>
+        </p:nvSpPr>
+        <p:spPr/>
+        <p:txBody>
+          <a:bodyPr>
+            <a:normAutofit/>
+          </a:bodyPr>
+          <a:lstStyle/>
+          <a:p>
+            <a:r>
+              <a:rPr lang="en-US" sz="2800" dirty="0" smtClean="0"/>
+              <a:t>Good:</a:t>
+            </a:r>
+          </a:p>
+          <a:p>
+            <a:pPr lvl="1"/>
+            <a:r>
+              <a:rPr lang="en-US" sz="2600" dirty="0" smtClean="0"/>
+              <a:t>Aesthetics/Cosmetic things</a:t>
+            </a:r>
+          </a:p>
+          <a:p>
+            <a:pPr lvl="1"/>
+            <a:r>
+              <a:rPr lang="en-US" sz="2600" dirty="0" smtClean="0"/>
+              <a:t>Mutability</a:t>
+            </a:r>
+          </a:p>
+          <a:p>
+            <a:pPr lvl="1"/>
+            <a:r>
+              <a:rPr lang="en-US" sz="2600" dirty="0" smtClean="0"/>
+              <a:t>Flow</a:t>
+            </a:r>
+          </a:p>
+          <a:p>
+            <a:pPr lvl="1"/>
+            <a:r>
+              <a:rPr lang="en-US" sz="2600" dirty="0" smtClean="0"/>
+              <a:t>View Transaction History</a:t>
+            </a:r>
+            <a:endParaRPr lang="en-US" sz="2600" dirty="0"/>
+          </a:p>
+        </p:txBody>
+      </p:sp>
+    </p:spTree>
+    <p:extLst>
+      <p:ext uri="{BB962C8B-B14F-4D97-AF65-F5344CB8AC3E}">
+        <p14:creationId xmlns:p14="http://schemas.microsoft.com/office/powerpoint/2010/main" val="1788625201"/>
+      </p:ext>
+    </p:extLst>
+  </p:cSld>
+  <p:clrMapOvr>
+    <a:masterClrMapping/>
+  </p:clrMapOvr>
+</p:sld>
+</file>
+
+<file path=ppt/slides/slide4.xml><?xml version="1.0" encoding="utf-8"?>
+<p:sld xmlns:a="http://schemas.openxmlformats.org/drawingml/2006/main" xmlns:r="http://schemas.openxmlformats.org/officeDocument/2006/relationships" xmlns:p="http://schemas.openxmlformats.org/presentationml/2006/main">
+  <p:cSld>
+    <p:spTree>
+      <p:nvGrpSpPr>
+        <p:cNvPr id="1" name=""/>
+        <p:cNvGrpSpPr/>
+        <p:nvPr/>
+      </p:nvGrpSpPr>
+      <p:grpSpPr>
+        <a:xfrm>
+          <a:off x="0" y="0"/>
+          <a:ext cx="0" cy="0"/>
+          <a:chOff x="0" y="0"/>
+          <a:chExt cx="0" cy="0"/>
+        </a:xfrm>
+      </p:grpSpPr>
+      <p:sp>
+        <p:nvSpPr>
           <p:cNvPr id="2" name="Title 1">
             <a:extLst>
               <a:ext uri="{FF2B5EF4-FFF2-40B4-BE49-F238E27FC236}">
@@ -7109,7 +7256,7 @@
 </p:sld>
 </file>
 
-<file path=ppt/slides/slide4.xml><?xml version="1.0" encoding="utf-8"?>
+<file path=ppt/slides/slide5.xml><?xml version="1.0" encoding="utf-8"?>
 <p:sld xmlns:a="http://schemas.openxmlformats.org/drawingml/2006/main" xmlns:r="http://schemas.openxmlformats.org/officeDocument/2006/relationships" xmlns:p="http://schemas.openxmlformats.org/presentationml/2006/main">
   <p:cSld>
     <p:spTree>
@@ -7564,7 +7711,7 @@
 </p:sld>
 </file>
 
-<file path=ppt/slides/slide5.xml><?xml version="1.0" encoding="utf-8"?>
+<file path=ppt/slides/slide6.xml><?xml version="1.0" encoding="utf-8"?>
 <p:sld xmlns:a="http://schemas.openxmlformats.org/drawingml/2006/main" xmlns:r="http://schemas.openxmlformats.org/officeDocument/2006/relationships" xmlns:p="http://schemas.openxmlformats.org/presentationml/2006/main">
   <p:cSld>
     <p:spTree>
@@ -7808,7 +7955,7 @@
 </p:sld>
 </file>
 
-<file path=ppt/slides/slide6.xml><?xml version="1.0" encoding="utf-8"?>
+<file path=ppt/slides/slide7.xml><?xml version="1.0" encoding="utf-8"?>
 <p:sld xmlns:a="http://schemas.openxmlformats.org/drawingml/2006/main" xmlns:r="http://schemas.openxmlformats.org/officeDocument/2006/relationships" xmlns:p="http://schemas.openxmlformats.org/presentationml/2006/main">
   <p:cSld>
     <p:spTree>
@@ -8072,7 +8219,7 @@
 </p:sld>
 </file>
 
-<file path=ppt/slides/slide7.xml><?xml version="1.0" encoding="utf-8"?>
+<file path=ppt/slides/slide8.xml><?xml version="1.0" encoding="utf-8"?>
 <p:sld xmlns:a="http://schemas.openxmlformats.org/drawingml/2006/main" xmlns:r="http://schemas.openxmlformats.org/officeDocument/2006/relationships" xmlns:p="http://schemas.openxmlformats.org/presentationml/2006/main">
   <p:cSld>
     <p:spTree>
